--- a/Report files/SIPL_Poster_or_andy.pptx
+++ b/Report files/SIPL_Poster_or_andy.pptx
@@ -5121,8 +5121,8 @@
         </p:nvSpPr>
         <p:spPr>
           <a:xfrm>
-            <a:off x="20128864" y="37737241"/>
-            <a:ext cx="9552844" cy="3725559"/>
+            <a:off x="20128864" y="25727323"/>
+            <a:ext cx="9552844" cy="15735478"/>
           </a:xfrm>
           <a:prstGeom prst="roundRect">
             <a:avLst>
@@ -5171,7 +5171,7 @@
         </p:nvSpPr>
         <p:spPr bwMode="auto">
           <a:xfrm>
-            <a:off x="20508607" y="37937281"/>
+            <a:off x="20406485" y="25919646"/>
             <a:ext cx="8475042" cy="1009048"/>
           </a:xfrm>
           <a:prstGeom prst="rect">
@@ -5216,7 +5216,7 @@
                 <a:latin typeface="Calibri Light" panose="020F0302020204030204" pitchFamily="34" charset="0"/>
                 <a:cs typeface="Calibri Light" panose="020F0302020204030204" pitchFamily="34" charset="0"/>
               </a:rPr>
-              <a:t>Conclusions</a:t>
+              <a:t>Intermediate Results</a:t>
             </a:r>
           </a:p>
         </p:txBody>
@@ -5632,7 +5632,7 @@
         <p:spPr>
           <a:xfrm>
             <a:off x="20113200" y="14046814"/>
-            <a:ext cx="9568508" cy="23547566"/>
+            <a:ext cx="9568508" cy="11425277"/>
           </a:xfrm>
           <a:prstGeom prst="roundRect">
             <a:avLst>
@@ -5726,7 +5726,7 @@
                 <a:latin typeface="Calibri Light" panose="020F0302020204030204" pitchFamily="34" charset="0"/>
                 <a:cs typeface="Calibri Light" panose="020F0302020204030204" pitchFamily="34" charset="0"/>
               </a:rPr>
-              <a:t>Results</a:t>
+              <a:t>DCN performance</a:t>
             </a:r>
           </a:p>
         </p:txBody>
@@ -8713,6 +8713,574 @@
           </a:prstGeom>
         </p:spPr>
       </p:pic>
+      <p:sp>
+        <p:nvSpPr>
+          <p:cNvPr id="65" name="Rounded Rectangle 132">
+            <a:extLst>
+              <a:ext uri="{FF2B5EF4-FFF2-40B4-BE49-F238E27FC236}">
+                <a16:creationId xmlns:a16="http://schemas.microsoft.com/office/drawing/2014/main" id="{6316051A-CCEE-4F8B-BFA6-0BFA4CAF57C7}"/>
+              </a:ext>
+            </a:extLst>
+          </p:cNvPr>
+          <p:cNvSpPr/>
+          <p:nvPr/>
+        </p:nvSpPr>
+        <p:spPr bwMode="auto">
+          <a:xfrm rot="20369327">
+            <a:off x="4267050" y="1629836"/>
+            <a:ext cx="6502766" cy="1136853"/>
+          </a:xfrm>
+          <a:prstGeom prst="roundRect">
+            <a:avLst/>
+          </a:prstGeom>
+          <a:solidFill>
+            <a:schemeClr val="bg1">
+              <a:alpha val="68000"/>
+            </a:schemeClr>
+          </a:solidFill>
+          <a:ln w="117475" cap="flat" cmpd="sng" algn="ctr">
+            <a:solidFill>
+              <a:srgbClr val="C00000"/>
+            </a:solidFill>
+            <a:prstDash val="solid"/>
+            <a:round/>
+            <a:headEnd type="none" w="med" len="med"/>
+            <a:tailEnd type="none" w="med" len="med"/>
+          </a:ln>
+          <a:effectLst/>
+        </p:spPr>
+        <p:txBody>
+          <a:bodyPr vert="horz" wrap="none" lIns="91440" tIns="45720" rIns="91440" bIns="45720" numCol="1" rtlCol="0" anchor="ctr" anchorCtr="0" compatLnSpc="1">
+            <a:prstTxWarp prst="textNoShape">
+              <a:avLst/>
+            </a:prstTxWarp>
+          </a:bodyPr>
+          <a:lstStyle>
+            <a:defPPr>
+              <a:defRPr lang="en-US"/>
+            </a:defPPr>
+            <a:lvl1pPr algn="r" rtl="1" fontAlgn="base">
+              <a:spcBef>
+                <a:spcPct val="0"/>
+              </a:spcBef>
+              <a:spcAft>
+                <a:spcPct val="0"/>
+              </a:spcAft>
+              <a:defRPr sz="4446" b="1" kern="1200">
+                <a:solidFill>
+                  <a:srgbClr val="003399"/>
+                </a:solidFill>
+                <a:latin typeface="Arial" charset="0"/>
+                <a:ea typeface="+mn-ea"/>
+                <a:cs typeface="Arial" charset="0"/>
+              </a:defRPr>
+            </a:lvl1pPr>
+            <a:lvl2pPr marL="441884" algn="r" rtl="1" fontAlgn="base">
+              <a:spcBef>
+                <a:spcPct val="0"/>
+              </a:spcBef>
+              <a:spcAft>
+                <a:spcPct val="0"/>
+              </a:spcAft>
+              <a:defRPr sz="4446" b="1" kern="1200">
+                <a:solidFill>
+                  <a:srgbClr val="003399"/>
+                </a:solidFill>
+                <a:latin typeface="Arial" charset="0"/>
+                <a:ea typeface="+mn-ea"/>
+                <a:cs typeface="Arial" charset="0"/>
+              </a:defRPr>
+            </a:lvl2pPr>
+            <a:lvl3pPr marL="883768" algn="r" rtl="1" fontAlgn="base">
+              <a:spcBef>
+                <a:spcPct val="0"/>
+              </a:spcBef>
+              <a:spcAft>
+                <a:spcPct val="0"/>
+              </a:spcAft>
+              <a:defRPr sz="4446" b="1" kern="1200">
+                <a:solidFill>
+                  <a:srgbClr val="003399"/>
+                </a:solidFill>
+                <a:latin typeface="Arial" charset="0"/>
+                <a:ea typeface="+mn-ea"/>
+                <a:cs typeface="Arial" charset="0"/>
+              </a:defRPr>
+            </a:lvl3pPr>
+            <a:lvl4pPr marL="1325651" algn="r" rtl="1" fontAlgn="base">
+              <a:spcBef>
+                <a:spcPct val="0"/>
+              </a:spcBef>
+              <a:spcAft>
+                <a:spcPct val="0"/>
+              </a:spcAft>
+              <a:defRPr sz="4446" b="1" kern="1200">
+                <a:solidFill>
+                  <a:srgbClr val="003399"/>
+                </a:solidFill>
+                <a:latin typeface="Arial" charset="0"/>
+                <a:ea typeface="+mn-ea"/>
+                <a:cs typeface="Arial" charset="0"/>
+              </a:defRPr>
+            </a:lvl4pPr>
+            <a:lvl5pPr marL="1767535" algn="r" rtl="1" fontAlgn="base">
+              <a:spcBef>
+                <a:spcPct val="0"/>
+              </a:spcBef>
+              <a:spcAft>
+                <a:spcPct val="0"/>
+              </a:spcAft>
+              <a:defRPr sz="4446" b="1" kern="1200">
+                <a:solidFill>
+                  <a:srgbClr val="003399"/>
+                </a:solidFill>
+                <a:latin typeface="Arial" charset="0"/>
+                <a:ea typeface="+mn-ea"/>
+                <a:cs typeface="Arial" charset="0"/>
+              </a:defRPr>
+            </a:lvl5pPr>
+            <a:lvl6pPr marL="2209419" algn="r" defTabSz="883768" rtl="1" eaLnBrk="1" latinLnBrk="0" hangingPunct="1">
+              <a:defRPr sz="4446" b="1" kern="1200">
+                <a:solidFill>
+                  <a:srgbClr val="003399"/>
+                </a:solidFill>
+                <a:latin typeface="Arial" charset="0"/>
+                <a:ea typeface="+mn-ea"/>
+                <a:cs typeface="Arial" charset="0"/>
+              </a:defRPr>
+            </a:lvl6pPr>
+            <a:lvl7pPr marL="2651303" algn="r" defTabSz="883768" rtl="1" eaLnBrk="1" latinLnBrk="0" hangingPunct="1">
+              <a:defRPr sz="4446" b="1" kern="1200">
+                <a:solidFill>
+                  <a:srgbClr val="003399"/>
+                </a:solidFill>
+                <a:latin typeface="Arial" charset="0"/>
+                <a:ea typeface="+mn-ea"/>
+                <a:cs typeface="Arial" charset="0"/>
+              </a:defRPr>
+            </a:lvl7pPr>
+            <a:lvl8pPr marL="3093187" algn="r" defTabSz="883768" rtl="1" eaLnBrk="1" latinLnBrk="0" hangingPunct="1">
+              <a:defRPr sz="4446" b="1" kern="1200">
+                <a:solidFill>
+                  <a:srgbClr val="003399"/>
+                </a:solidFill>
+                <a:latin typeface="Arial" charset="0"/>
+                <a:ea typeface="+mn-ea"/>
+                <a:cs typeface="Arial" charset="0"/>
+              </a:defRPr>
+            </a:lvl8pPr>
+            <a:lvl9pPr marL="3535070" algn="r" defTabSz="883768" rtl="1" eaLnBrk="1" latinLnBrk="0" hangingPunct="1">
+              <a:defRPr sz="4446" b="1" kern="1200">
+                <a:solidFill>
+                  <a:srgbClr val="003399"/>
+                </a:solidFill>
+                <a:latin typeface="Arial" charset="0"/>
+                <a:ea typeface="+mn-ea"/>
+                <a:cs typeface="Arial" charset="0"/>
+              </a:defRPr>
+            </a:lvl9pPr>
+          </a:lstStyle>
+          <a:p>
+            <a:pPr marL="0" marR="0" indent="0" algn="ctr" defTabSz="1042988" rtl="0" eaLnBrk="0" fontAlgn="base" latinLnBrk="0" hangingPunct="0">
+              <a:lnSpc>
+                <a:spcPct val="100000"/>
+              </a:lnSpc>
+              <a:spcBef>
+                <a:spcPct val="0"/>
+              </a:spcBef>
+              <a:spcAft>
+                <a:spcPct val="0"/>
+              </a:spcAft>
+              <a:buClrTx/>
+              <a:buSzTx/>
+              <a:buFontTx/>
+              <a:buNone/>
+              <a:tabLst/>
+            </a:pPr>
+            <a:r>
+              <a:rPr kumimoji="0" lang="en-US" sz="6000" b="1" i="0" u="none" strike="noStrike" cap="none" normalizeH="0" baseline="0" dirty="0">
+                <a:ln>
+                  <a:noFill/>
+                </a:ln>
+                <a:solidFill>
+                  <a:srgbClr val="003399"/>
+                </a:solidFill>
+                <a:effectLst/>
+                <a:latin typeface="Arial" charset="0"/>
+              </a:rPr>
+              <a:t>Work in Progress</a:t>
+            </a:r>
+          </a:p>
+        </p:txBody>
+      </p:sp>
+      <p:sp>
+        <p:nvSpPr>
+          <p:cNvPr id="70" name="ZoneTexte 8">
+            <a:extLst>
+              <a:ext uri="{FF2B5EF4-FFF2-40B4-BE49-F238E27FC236}">
+                <a16:creationId xmlns:a16="http://schemas.microsoft.com/office/drawing/2014/main" id="{E84DA528-F544-4575-A289-18375DE23415}"/>
+              </a:ext>
+            </a:extLst>
+          </p:cNvPr>
+          <p:cNvSpPr txBox="1"/>
+          <p:nvPr/>
+        </p:nvSpPr>
+        <p:spPr>
+          <a:xfrm>
+            <a:off x="20514942" y="26888281"/>
+            <a:ext cx="9024464" cy="5065489"/>
+          </a:xfrm>
+          <a:prstGeom prst="rect">
+            <a:avLst/>
+          </a:prstGeom>
+          <a:noFill/>
+        </p:spPr>
+        <p:txBody>
+          <a:bodyPr wrap="square" rtlCol="1">
+            <a:spAutoFit/>
+          </a:bodyPr>
+          <a:lstStyle/>
+          <a:p>
+            <a:pPr marL="425679" indent="-425679" algn="l" rtl="0">
+              <a:spcBef>
+                <a:spcPts val="1682"/>
+              </a:spcBef>
+              <a:buSzPct val="125000"/>
+              <a:buFont typeface="Arial" pitchFamily="34" charset="0"/>
+              <a:buChar char="•"/>
+            </a:pPr>
+            <a:r>
+              <a:rPr lang="en-US" sz="2800" b="0" dirty="0">
+                <a:solidFill>
+                  <a:srgbClr val="000060"/>
+                </a:solidFill>
+                <a:latin typeface="Calibri" panose="020F0502020204030204" pitchFamily="34" charset="0"/>
+                <a:cs typeface="Calibri" panose="020F0502020204030204" pitchFamily="34" charset="0"/>
+              </a:rPr>
+              <a:t>Integrated DCN into last layers of chosen architectures:</a:t>
+            </a:r>
+          </a:p>
+          <a:p>
+            <a:pPr marL="867563" lvl="1" indent="-425679" algn="l" rtl="0">
+              <a:spcBef>
+                <a:spcPts val="1682"/>
+              </a:spcBef>
+              <a:buSzPct val="125000"/>
+              <a:buFont typeface="Arial" pitchFamily="34" charset="0"/>
+              <a:buChar char="•"/>
+            </a:pPr>
+            <a:r>
+              <a:rPr lang="en-US" sz="2800" b="0" dirty="0" err="1">
+                <a:solidFill>
+                  <a:srgbClr val="000060"/>
+                </a:solidFill>
+                <a:latin typeface="Calibri" panose="020F0502020204030204" pitchFamily="34" charset="0"/>
+                <a:cs typeface="Calibri" panose="020F0502020204030204" pitchFamily="34" charset="0"/>
+              </a:rPr>
+              <a:t>AlexNet</a:t>
+            </a:r>
+            <a:endParaRPr lang="en-US" sz="2800" b="0" dirty="0">
+              <a:solidFill>
+                <a:srgbClr val="000060"/>
+              </a:solidFill>
+              <a:latin typeface="Calibri" panose="020F0502020204030204" pitchFamily="34" charset="0"/>
+              <a:cs typeface="Calibri" panose="020F0502020204030204" pitchFamily="34" charset="0"/>
+            </a:endParaRPr>
+          </a:p>
+          <a:p>
+            <a:pPr marL="867563" lvl="1" indent="-425679" algn="l" rtl="0">
+              <a:spcBef>
+                <a:spcPts val="1682"/>
+              </a:spcBef>
+              <a:buSzPct val="125000"/>
+              <a:buFont typeface="Arial" pitchFamily="34" charset="0"/>
+              <a:buChar char="•"/>
+            </a:pPr>
+            <a:r>
+              <a:rPr lang="en-US" sz="2800" b="0" dirty="0">
+                <a:solidFill>
+                  <a:srgbClr val="000060"/>
+                </a:solidFill>
+                <a:latin typeface="Calibri" panose="020F0502020204030204" pitchFamily="34" charset="0"/>
+                <a:cs typeface="Calibri" panose="020F0502020204030204" pitchFamily="34" charset="0"/>
+              </a:rPr>
+              <a:t>ResNet18</a:t>
+            </a:r>
+          </a:p>
+          <a:p>
+            <a:pPr marL="867563" lvl="1" indent="-425679" algn="l" rtl="0">
+              <a:spcBef>
+                <a:spcPts val="1682"/>
+              </a:spcBef>
+              <a:buSzPct val="125000"/>
+              <a:buFont typeface="Arial" pitchFamily="34" charset="0"/>
+              <a:buChar char="•"/>
+            </a:pPr>
+            <a:r>
+              <a:rPr lang="en-US" sz="2800" b="0" dirty="0">
+                <a:solidFill>
+                  <a:srgbClr val="000060"/>
+                </a:solidFill>
+                <a:latin typeface="Calibri" panose="020F0502020204030204" pitchFamily="34" charset="0"/>
+                <a:cs typeface="Calibri" panose="020F0502020204030204" pitchFamily="34" charset="0"/>
+              </a:rPr>
+              <a:t>ResNet50</a:t>
+            </a:r>
+          </a:p>
+          <a:p>
+            <a:pPr marL="425679" indent="-425679" algn="l" rtl="0">
+              <a:spcBef>
+                <a:spcPts val="1682"/>
+              </a:spcBef>
+              <a:buSzPct val="125000"/>
+              <a:buFont typeface="Arial" pitchFamily="34" charset="0"/>
+              <a:buChar char="•"/>
+            </a:pPr>
+            <a:r>
+              <a:rPr lang="en-US" sz="2800" b="0" dirty="0">
+                <a:solidFill>
+                  <a:srgbClr val="000060"/>
+                </a:solidFill>
+                <a:latin typeface="Calibri" panose="020F0502020204030204" pitchFamily="34" charset="0"/>
+                <a:cs typeface="Calibri" panose="020F0502020204030204" pitchFamily="34" charset="0"/>
+              </a:rPr>
+              <a:t>Ran on Kaggle x-Ray dataset</a:t>
+            </a:r>
+          </a:p>
+          <a:p>
+            <a:pPr marL="425679" indent="-425679" algn="l" rtl="0">
+              <a:spcBef>
+                <a:spcPts val="1682"/>
+              </a:spcBef>
+              <a:buSzPct val="125000"/>
+              <a:buFont typeface="Arial" pitchFamily="34" charset="0"/>
+              <a:buChar char="•"/>
+            </a:pPr>
+            <a:r>
+              <a:rPr lang="en-US" sz="2800" b="0" dirty="0">
+                <a:solidFill>
+                  <a:srgbClr val="000060"/>
+                </a:solidFill>
+                <a:latin typeface="Calibri" panose="020F0502020204030204" pitchFamily="34" charset="0"/>
+                <a:cs typeface="Calibri" panose="020F0502020204030204" pitchFamily="34" charset="0"/>
+              </a:rPr>
+              <a:t>Ran on Kaggle RSNA Pneumonia dataset</a:t>
+            </a:r>
+          </a:p>
+          <a:p>
+            <a:pPr marL="425679" indent="-425679" algn="l" rtl="0">
+              <a:spcBef>
+                <a:spcPts val="1682"/>
+              </a:spcBef>
+              <a:buSzPct val="125000"/>
+              <a:buFont typeface="Arial" pitchFamily="34" charset="0"/>
+              <a:buChar char="•"/>
+            </a:pPr>
+            <a:r>
+              <a:rPr lang="en-US" sz="2800" b="0" dirty="0">
+                <a:solidFill>
+                  <a:srgbClr val="000060"/>
+                </a:solidFill>
+                <a:latin typeface="Calibri" panose="020F0502020204030204" pitchFamily="34" charset="0"/>
+                <a:cs typeface="Calibri" panose="020F0502020204030204" pitchFamily="34" charset="0"/>
+              </a:rPr>
+              <a:t>No significant improvements so far on both datasets</a:t>
+            </a:r>
+          </a:p>
+          <a:p>
+            <a:pPr marL="425679" indent="-425679" algn="l" rtl="0">
+              <a:spcBef>
+                <a:spcPts val="1682"/>
+              </a:spcBef>
+              <a:buSzPct val="125000"/>
+              <a:buFont typeface="Arial" pitchFamily="34" charset="0"/>
+              <a:buChar char="•"/>
+            </a:pPr>
+            <a:endParaRPr lang="en-US" sz="2800" b="0" dirty="0">
+              <a:solidFill>
+                <a:srgbClr val="000060"/>
+              </a:solidFill>
+              <a:latin typeface="Calibri" panose="020F0502020204030204" pitchFamily="34" charset="0"/>
+              <a:cs typeface="Calibri" panose="020F0502020204030204" pitchFamily="34" charset="0"/>
+            </a:endParaRPr>
+          </a:p>
+        </p:txBody>
+      </p:sp>
+      <p:sp>
+        <p:nvSpPr>
+          <p:cNvPr id="72" name="Rectangle 2">
+            <a:extLst>
+              <a:ext uri="{FF2B5EF4-FFF2-40B4-BE49-F238E27FC236}">
+                <a16:creationId xmlns:a16="http://schemas.microsoft.com/office/drawing/2014/main" id="{382D0BF6-F153-490F-9AD4-9D2D2B35548C}"/>
+              </a:ext>
+            </a:extLst>
+          </p:cNvPr>
+          <p:cNvSpPr>
+            <a:spLocks noChangeArrowheads="1"/>
+          </p:cNvSpPr>
+          <p:nvPr/>
+        </p:nvSpPr>
+        <p:spPr bwMode="auto">
+          <a:xfrm>
+            <a:off x="20421411" y="32428555"/>
+            <a:ext cx="8475042" cy="1009048"/>
+          </a:xfrm>
+          <a:prstGeom prst="rect">
+            <a:avLst/>
+          </a:prstGeom>
+          <a:noFill/>
+          <a:ln>
+            <a:noFill/>
+          </a:ln>
+          <a:extLst>
+            <a:ext uri="{909E8E84-426E-40DD-AFC4-6F175D3DCCD1}">
+              <a14:hiddenFill xmlns:a14="http://schemas.microsoft.com/office/drawing/2010/main">
+                <a:solidFill>
+                  <a:srgbClr val="FFFFFF"/>
+                </a:solidFill>
+              </a14:hiddenFill>
+            </a:ext>
+            <a:ext uri="{91240B29-F687-4F45-9708-019B960494DF}">
+              <a14:hiddenLine xmlns:a14="http://schemas.microsoft.com/office/drawing/2010/main" w="9525">
+                <a:solidFill>
+                  <a:srgbClr val="000000"/>
+                </a:solidFill>
+                <a:miter lim="800000"/>
+                <a:headEnd/>
+                <a:tailEnd/>
+              </a14:hiddenLine>
+            </a:ext>
+          </a:extLst>
+        </p:spPr>
+        <p:txBody>
+          <a:bodyPr anchor="ctr"/>
+          <a:lstStyle/>
+          <a:p>
+            <a:pPr algn="l" defTabSz="3900819" rtl="0"/>
+            <a:r>
+              <a:rPr lang="en-US" sz="5400" dirty="0">
+                <a:solidFill>
+                  <a:srgbClr val="D1282E">
+                    <a:lumMod val="75000"/>
+                  </a:srgbClr>
+                </a:solidFill>
+                <a:latin typeface="Calibri Light" panose="020F0302020204030204" pitchFamily="34" charset="0"/>
+                <a:cs typeface="Calibri Light" panose="020F0302020204030204" pitchFamily="34" charset="0"/>
+              </a:rPr>
+              <a:t>Future work</a:t>
+            </a:r>
+          </a:p>
+        </p:txBody>
+      </p:sp>
+      <p:sp>
+        <p:nvSpPr>
+          <p:cNvPr id="74" name="ZoneTexte 8">
+            <a:extLst>
+              <a:ext uri="{FF2B5EF4-FFF2-40B4-BE49-F238E27FC236}">
+                <a16:creationId xmlns:a16="http://schemas.microsoft.com/office/drawing/2014/main" id="{67E392CD-1CD5-4548-B238-D4D932494044}"/>
+              </a:ext>
+            </a:extLst>
+          </p:cNvPr>
+          <p:cNvSpPr txBox="1"/>
+          <p:nvPr/>
+        </p:nvSpPr>
+        <p:spPr>
+          <a:xfrm>
+            <a:off x="20514942" y="33633792"/>
+            <a:ext cx="9024464" cy="2682786"/>
+          </a:xfrm>
+          <a:prstGeom prst="rect">
+            <a:avLst/>
+          </a:prstGeom>
+          <a:noFill/>
+        </p:spPr>
+        <p:txBody>
+          <a:bodyPr wrap="square" rtlCol="1">
+            <a:spAutoFit/>
+          </a:bodyPr>
+          <a:lstStyle/>
+          <a:p>
+            <a:pPr marL="425679" indent="-425679" algn="l" rtl="0">
+              <a:spcBef>
+                <a:spcPts val="1682"/>
+              </a:spcBef>
+              <a:buSzPct val="125000"/>
+              <a:buFont typeface="Arial" pitchFamily="34" charset="0"/>
+              <a:buChar char="•"/>
+            </a:pPr>
+            <a:r>
+              <a:rPr lang="en-US" sz="2800" b="0" dirty="0">
+                <a:solidFill>
+                  <a:srgbClr val="000060"/>
+                </a:solidFill>
+                <a:latin typeface="Calibri" panose="020F0502020204030204" pitchFamily="34" charset="0"/>
+                <a:cs typeface="Calibri" panose="020F0502020204030204" pitchFamily="34" charset="0"/>
+              </a:rPr>
+              <a:t>Getting visualization of deformed convolution layers, to characterize deformation performance in layers</a:t>
+            </a:r>
+          </a:p>
+          <a:p>
+            <a:pPr marL="425679" indent="-425679" algn="l" rtl="0">
+              <a:spcBef>
+                <a:spcPts val="1682"/>
+              </a:spcBef>
+              <a:buSzPct val="125000"/>
+              <a:buFont typeface="Arial" pitchFamily="34" charset="0"/>
+              <a:buChar char="•"/>
+            </a:pPr>
+            <a:r>
+              <a:rPr lang="en-US" sz="2800" b="0" dirty="0">
+                <a:solidFill>
+                  <a:srgbClr val="000060"/>
+                </a:solidFill>
+                <a:latin typeface="Calibri" panose="020F0502020204030204" pitchFamily="34" charset="0"/>
+                <a:cs typeface="Calibri" panose="020F0502020204030204" pitchFamily="34" charset="0"/>
+              </a:rPr>
+              <a:t>Using architecture on datasets such as COCO that are known to be improved by using DCN layers</a:t>
+            </a:r>
+          </a:p>
+          <a:p>
+            <a:pPr marL="425679" indent="-425679" algn="l" rtl="0">
+              <a:spcBef>
+                <a:spcPts val="1682"/>
+              </a:spcBef>
+              <a:buSzPct val="125000"/>
+              <a:buFont typeface="Arial" pitchFamily="34" charset="0"/>
+              <a:buChar char="•"/>
+            </a:pPr>
+            <a:r>
+              <a:rPr lang="en-US" sz="2800" b="0" dirty="0">
+                <a:solidFill>
+                  <a:srgbClr val="000060"/>
+                </a:solidFill>
+                <a:latin typeface="Calibri" panose="020F0502020204030204" pitchFamily="34" charset="0"/>
+                <a:cs typeface="Calibri" panose="020F0502020204030204" pitchFamily="34" charset="0"/>
+              </a:rPr>
+              <a:t>Running DCN on </a:t>
+            </a:r>
+            <a:r>
+              <a:rPr lang="en-US" sz="2800" b="0" dirty="0" err="1">
+                <a:solidFill>
+                  <a:srgbClr val="000060"/>
+                </a:solidFill>
+                <a:latin typeface="Calibri" panose="020F0502020204030204" pitchFamily="34" charset="0"/>
+                <a:cs typeface="Calibri" panose="020F0502020204030204" pitchFamily="34" charset="0"/>
+              </a:rPr>
+              <a:t>CheXpert</a:t>
+            </a:r>
+            <a:r>
+              <a:rPr lang="en-US" sz="2800" b="0" dirty="0">
+                <a:solidFill>
+                  <a:srgbClr val="000060"/>
+                </a:solidFill>
+                <a:latin typeface="Calibri" panose="020F0502020204030204" pitchFamily="34" charset="0"/>
+                <a:cs typeface="Calibri" panose="020F0502020204030204" pitchFamily="34" charset="0"/>
+              </a:rPr>
+              <a:t> challenge</a:t>
+            </a:r>
+          </a:p>
+        </p:txBody>
+      </p:sp>
     </p:spTree>
   </p:cSld>
   <p:clrMapOvr>

--- a/Report files/SIPL_Poster_or_andy.pptx
+++ b/Report files/SIPL_Poster_or_andy.pptx
@@ -161,8 +161,22 @@
 
 <file path=ppt/commentAuthors.xml><?xml version="1.0" encoding="utf-8"?>
 <p:cmAuthorLst xmlns:a="http://schemas.openxmlformats.org/drawingml/2006/main" xmlns:r="http://schemas.openxmlformats.org/officeDocument/2006/relationships" xmlns:p="http://schemas.openxmlformats.org/presentationml/2006/main">
-  <p:cmAuthor id="8" name="Author" initials="A" lastIdx="0" clrIdx="7"/>
+  <p:cmAuthor id="8" name="Author" initials="A" lastIdx="1" clrIdx="7"/>
 </p:cmAuthorLst>
+</file>
+
+<file path=ppt/comments/comment1.xml><?xml version="1.0" encoding="utf-8"?>
+<p:cmLst xmlns:a="http://schemas.openxmlformats.org/drawingml/2006/main" xmlns:r="http://schemas.openxmlformats.org/officeDocument/2006/relationships" xmlns:p="http://schemas.openxmlformats.org/presentationml/2006/main">
+  <p:cm authorId="8" dt="2020-06-18T13:29:06.326" idx="1">
+    <p:pos x="10" y="10"/>
+    <p:text/>
+    <p:extLst>
+      <p:ext uri="{C676402C-5697-4E1C-873F-D02D1690AC5C}">
+        <p15:threadingInfo xmlns:p15="http://schemas.microsoft.com/office/powerpoint/2012/main" timeZoneBias="-180"/>
+      </p:ext>
+    </p:extLst>
+  </p:cm>
+</p:cmLst>
 </file>
 
 <file path=ppt/handoutMasters/handoutMaster1.xml><?xml version="1.0" encoding="utf-8"?>
@@ -5017,7 +5031,7 @@
         <p:spPr>
           <a:xfrm>
             <a:off x="583405" y="28717081"/>
-            <a:ext cx="9406593" cy="12913984"/>
+            <a:ext cx="9406593" cy="12191998"/>
           </a:xfrm>
           <a:prstGeom prst="roundRect">
             <a:avLst>
@@ -5121,8 +5135,8 @@
         </p:nvSpPr>
         <p:spPr>
           <a:xfrm>
-            <a:off x="20128864" y="25727323"/>
-            <a:ext cx="9552844" cy="15735478"/>
+            <a:off x="20091369" y="25146972"/>
+            <a:ext cx="9606003" cy="15762107"/>
           </a:xfrm>
           <a:prstGeom prst="roundRect">
             <a:avLst>
@@ -5171,7 +5185,7 @@
         </p:nvSpPr>
         <p:spPr bwMode="auto">
           <a:xfrm>
-            <a:off x="20406485" y="25919646"/>
+            <a:off x="20279342" y="25409827"/>
             <a:ext cx="8475042" cy="1009048"/>
           </a:xfrm>
           <a:prstGeom prst="rect">
@@ -5352,7 +5366,7 @@
         <p:spPr>
           <a:xfrm>
             <a:off x="20128864" y="8602212"/>
-            <a:ext cx="9559600" cy="5243002"/>
+            <a:ext cx="9559600" cy="4376222"/>
           </a:xfrm>
           <a:prstGeom prst="roundRect">
             <a:avLst>
@@ -5619,114 +5633,6 @@
                 <a:cs typeface="Calibri Light" panose="020F0302020204030204" pitchFamily="34" charset="0"/>
               </a:rPr>
               <a:t> Moshe</a:t>
-            </a:r>
-          </a:p>
-        </p:txBody>
-      </p:sp>
-      <p:sp>
-        <p:nvSpPr>
-          <p:cNvPr id="212" name="Rounded Rectangle 199"/>
-          <p:cNvSpPr/>
-          <p:nvPr/>
-        </p:nvSpPr>
-        <p:spPr>
-          <a:xfrm>
-            <a:off x="20113200" y="14046814"/>
-            <a:ext cx="9568508" cy="11425277"/>
-          </a:xfrm>
-          <a:prstGeom prst="roundRect">
-            <a:avLst>
-              <a:gd name="adj" fmla="val 2631"/>
-            </a:avLst>
-          </a:prstGeom>
-          <a:noFill/>
-          <a:ln w="76200" cap="flat" cmpd="sng" algn="ctr">
-            <a:solidFill>
-              <a:srgbClr val="000060"/>
-            </a:solidFill>
-            <a:prstDash val="solid"/>
-          </a:ln>
-          <a:effectLst/>
-        </p:spPr>
-        <p:txBody>
-          <a:bodyPr rtlCol="1" anchor="ctr"/>
-          <a:lstStyle/>
-          <a:p>
-            <a:pPr algn="ctr" defTabSz="854324" fontAlgn="auto">
-              <a:spcBef>
-                <a:spcPts val="0"/>
-              </a:spcBef>
-              <a:spcAft>
-                <a:spcPts val="0"/>
-              </a:spcAft>
-              <a:defRPr/>
-            </a:pPr>
-            <a:endParaRPr lang="he-IL" sz="7661" b="0" kern="0">
-              <a:solidFill>
-                <a:srgbClr val="FFFFFF"/>
-              </a:solidFill>
-              <a:latin typeface="Arial" panose="020B0604020202020204" pitchFamily="34" charset="0"/>
-              <a:cs typeface="Arial" panose="020B0604020202020204" pitchFamily="34" charset="0"/>
-            </a:endParaRPr>
-          </a:p>
-        </p:txBody>
-      </p:sp>
-      <p:sp>
-        <p:nvSpPr>
-          <p:cNvPr id="213" name="Rectangle 2"/>
-          <p:cNvSpPr>
-            <a:spLocks noChangeArrowheads="1"/>
-          </p:cNvSpPr>
-          <p:nvPr/>
-        </p:nvSpPr>
-        <p:spPr bwMode="auto">
-          <a:xfrm>
-            <a:off x="20564428" y="14382424"/>
-            <a:ext cx="8802025" cy="1009048"/>
-          </a:xfrm>
-          <a:prstGeom prst="rect">
-            <a:avLst/>
-          </a:prstGeom>
-          <a:noFill/>
-          <a:ln>
-            <a:noFill/>
-          </a:ln>
-          <a:extLst>
-            <a:ext uri="{909E8E84-426E-40DD-AFC4-6F175D3DCCD1}">
-              <a14:hiddenFill xmlns:a14="http://schemas.microsoft.com/office/drawing/2010/main">
-                <a:solidFill>
-                  <a:srgbClr val="FFFFFF"/>
-                </a:solidFill>
-              </a14:hiddenFill>
-            </a:ext>
-            <a:ext uri="{91240B29-F687-4F45-9708-019B960494DF}">
-              <a14:hiddenLine xmlns:a14="http://schemas.microsoft.com/office/drawing/2010/main" w="9525">
-                <a:solidFill>
-                  <a:srgbClr val="000000"/>
-                </a:solidFill>
-                <a:miter lim="800000"/>
-                <a:headEnd/>
-                <a:tailEnd/>
-              </a14:hiddenLine>
-            </a:ext>
-          </a:extLst>
-        </p:spPr>
-        <p:txBody>
-          <a:bodyPr anchor="ctr"/>
-          <a:lstStyle/>
-          <a:p>
-            <a:pPr algn="l" defTabSz="3900819" rtl="0"/>
-            <a:r>
-              <a:rPr lang="en-US" sz="5400" dirty="0">
-                <a:solidFill>
-                  <a:srgbClr val="D1282E">
-                    <a:lumMod val="75000"/>
-                  </a:srgbClr>
-                </a:solidFill>
-                <a:latin typeface="Calibri Light" panose="020F0302020204030204" pitchFamily="34" charset="0"/>
-                <a:cs typeface="Calibri Light" panose="020F0302020204030204" pitchFamily="34" charset="0"/>
-              </a:rPr>
-              <a:t>DCN performance</a:t>
             </a:r>
           </a:p>
         </p:txBody>
@@ -5899,9 +5805,9 @@
               <a:spcBef>
                 <a:spcPts val="1682"/>
               </a:spcBef>
-              <a:buSzPct val="75000"/>
-              <a:buFont typeface="Wingdings" panose="05000000000000000000" pitchFamily="2" charset="2"/>
-              <a:buChar char="§"/>
+              <a:buSzPct val="125000"/>
+              <a:buFont typeface="Arial" panose="020B0604020202020204" pitchFamily="34" charset="0"/>
+              <a:buChar char="•"/>
             </a:pPr>
             <a:r>
               <a:rPr lang="en-US" sz="2990" b="0" dirty="0">
@@ -5911,7 +5817,17 @@
                 <a:latin typeface="Calibri" panose="020F0502020204030204" pitchFamily="34" charset="0"/>
                 <a:cs typeface="Calibri" panose="020F0502020204030204" pitchFamily="34" charset="0"/>
               </a:rPr>
-              <a:t>Implement known architectures</a:t>
+              <a:t>Imple</a:t>
+            </a:r>
+            <a:r>
+              <a:rPr lang="en-US" sz="2800" b="0" dirty="0">
+                <a:solidFill>
+                  <a:srgbClr val="000060"/>
+                </a:solidFill>
+                <a:latin typeface="Calibri" panose="020F0502020204030204" pitchFamily="34" charset="0"/>
+                <a:cs typeface="Calibri" panose="020F0502020204030204" pitchFamily="34" charset="0"/>
+              </a:rPr>
+              <a:t>ment known architectures</a:t>
             </a:r>
           </a:p>
           <a:p>
@@ -5919,12 +5835,12 @@
               <a:spcBef>
                 <a:spcPts val="1682"/>
               </a:spcBef>
-              <a:buSzPct val="75000"/>
-              <a:buFont typeface="Wingdings" panose="05000000000000000000" pitchFamily="2" charset="2"/>
-              <a:buChar char="§"/>
-            </a:pPr>
-            <a:r>
-              <a:rPr lang="en-US" sz="2990" b="0" dirty="0">
+              <a:buSzPct val="125000"/>
+              <a:buFont typeface="Arial" panose="020B0604020202020204" pitchFamily="34" charset="0"/>
+              <a:buChar char="•"/>
+            </a:pPr>
+            <a:r>
+              <a:rPr lang="en-US" sz="2800" b="0" dirty="0">
                 <a:solidFill>
                   <a:srgbClr val="000060"/>
                 </a:solidFill>
@@ -5939,12 +5855,12 @@
               <a:spcBef>
                 <a:spcPts val="1682"/>
               </a:spcBef>
-              <a:buSzPct val="75000"/>
-              <a:buFont typeface="Wingdings" panose="05000000000000000000" pitchFamily="2" charset="2"/>
-              <a:buChar char="§"/>
-            </a:pPr>
-            <a:r>
-              <a:rPr lang="en-US" sz="2990" b="0" dirty="0">
+              <a:buSzPct val="125000"/>
+              <a:buFont typeface="Arial" panose="020B0604020202020204" pitchFamily="34" charset="0"/>
+              <a:buChar char="•"/>
+            </a:pPr>
+            <a:r>
+              <a:rPr lang="en-US" sz="2800" b="0" dirty="0">
                 <a:solidFill>
                   <a:srgbClr val="000060"/>
                 </a:solidFill>
@@ -5959,12 +5875,12 @@
               <a:spcBef>
                 <a:spcPts val="1682"/>
               </a:spcBef>
-              <a:buSzPct val="75000"/>
-              <a:buFont typeface="Wingdings" panose="05000000000000000000" pitchFamily="2" charset="2"/>
-              <a:buChar char="§"/>
-            </a:pPr>
-            <a:r>
-              <a:rPr lang="en-US" sz="2990" b="0" dirty="0">
+              <a:buSzPct val="125000"/>
+              <a:buFont typeface="Arial" panose="020B0604020202020204" pitchFamily="34" charset="0"/>
+              <a:buChar char="•"/>
+            </a:pPr>
+            <a:r>
+              <a:rPr lang="en-US" sz="2800" b="0" dirty="0">
                 <a:solidFill>
                   <a:srgbClr val="000060"/>
                 </a:solidFill>
@@ -5974,7 +5890,7 @@
               <a:t>Compare results to traditional CNN </a:t>
             </a:r>
             <a:r>
-              <a:rPr lang="en-US" sz="2990" b="0" dirty="0" err="1">
+              <a:rPr lang="en-US" sz="2800" b="0" dirty="0" err="1">
                 <a:solidFill>
                   <a:srgbClr val="000060"/>
                 </a:solidFill>
@@ -5983,7 +5899,7 @@
               </a:rPr>
               <a:t>architctures</a:t>
             </a:r>
-            <a:endParaRPr lang="en-US" sz="2990" b="0" dirty="0">
+            <a:endParaRPr lang="en-US" sz="2800" b="0" dirty="0">
               <a:solidFill>
                 <a:srgbClr val="000060"/>
               </a:solidFill>
@@ -5996,12 +5912,12 @@
               <a:spcBef>
                 <a:spcPts val="1682"/>
               </a:spcBef>
-              <a:buSzPct val="75000"/>
-              <a:buFont typeface="Wingdings" panose="05000000000000000000" pitchFamily="2" charset="2"/>
-              <a:buChar char="§"/>
-            </a:pPr>
-            <a:r>
-              <a:rPr lang="en-US" sz="2990" b="0" dirty="0">
+              <a:buSzPct val="125000"/>
+              <a:buFont typeface="Arial" panose="020B0604020202020204" pitchFamily="34" charset="0"/>
+              <a:buChar char="•"/>
+            </a:pPr>
+            <a:r>
+              <a:rPr lang="en-US" sz="2800" b="0" dirty="0">
                 <a:solidFill>
                   <a:srgbClr val="000060"/>
                 </a:solidFill>
@@ -6016,12 +5932,12 @@
               <a:spcBef>
                 <a:spcPts val="1682"/>
               </a:spcBef>
-              <a:buSzPct val="75000"/>
-              <a:buFont typeface="Wingdings" panose="05000000000000000000" pitchFamily="2" charset="2"/>
-              <a:buChar char="§"/>
-            </a:pPr>
-            <a:r>
-              <a:rPr lang="en-US" sz="2990" b="0" dirty="0" err="1">
+              <a:buSzPct val="125000"/>
+              <a:buFont typeface="Arial" panose="020B0604020202020204" pitchFamily="34" charset="0"/>
+              <a:buChar char="•"/>
+            </a:pPr>
+            <a:r>
+              <a:rPr lang="en-US" sz="2800" b="0" dirty="0" err="1">
                 <a:solidFill>
                   <a:srgbClr val="000060"/>
                 </a:solidFill>
@@ -6030,7 +5946,7 @@
               </a:rPr>
               <a:t>AlexNet</a:t>
             </a:r>
-            <a:endParaRPr lang="en-US" sz="2990" b="0" dirty="0">
+            <a:endParaRPr lang="en-US" sz="2800" b="0" dirty="0">
               <a:solidFill>
                 <a:srgbClr val="000060"/>
               </a:solidFill>
@@ -6043,12 +5959,12 @@
               <a:spcBef>
                 <a:spcPts val="1682"/>
               </a:spcBef>
-              <a:buSzPct val="75000"/>
-              <a:buFont typeface="Wingdings" panose="05000000000000000000" pitchFamily="2" charset="2"/>
-              <a:buChar char="§"/>
-            </a:pPr>
-            <a:r>
-              <a:rPr lang="en-US" sz="2990" b="0" dirty="0">
+              <a:buSzPct val="125000"/>
+              <a:buFont typeface="Arial" panose="020B0604020202020204" pitchFamily="34" charset="0"/>
+              <a:buChar char="•"/>
+            </a:pPr>
+            <a:r>
+              <a:rPr lang="en-US" sz="2800" b="0" dirty="0">
                 <a:solidFill>
                   <a:srgbClr val="000060"/>
                 </a:solidFill>
@@ -6063,12 +5979,12 @@
               <a:spcBef>
                 <a:spcPts val="1682"/>
               </a:spcBef>
-              <a:buSzPct val="75000"/>
-              <a:buFont typeface="Wingdings" panose="05000000000000000000" pitchFamily="2" charset="2"/>
-              <a:buChar char="§"/>
-            </a:pPr>
-            <a:r>
-              <a:rPr lang="en-US" sz="2990" b="0" dirty="0">
+              <a:buSzPct val="125000"/>
+              <a:buFont typeface="Arial" panose="020B0604020202020204" pitchFamily="34" charset="0"/>
+              <a:buChar char="•"/>
+            </a:pPr>
+            <a:r>
+              <a:rPr lang="en-US" sz="2800" b="0" dirty="0">
                 <a:solidFill>
                   <a:srgbClr val="000060"/>
                 </a:solidFill>
@@ -6083,12 +5999,12 @@
               <a:spcBef>
                 <a:spcPts val="1682"/>
               </a:spcBef>
-              <a:buSzPct val="75000"/>
-              <a:buFont typeface="Wingdings" panose="05000000000000000000" pitchFamily="2" charset="2"/>
-              <a:buChar char="§"/>
-            </a:pPr>
-            <a:r>
-              <a:rPr lang="en-US" sz="2990" b="0" dirty="0">
+              <a:buSzPct val="125000"/>
+              <a:buFont typeface="Arial" panose="020B0604020202020204" pitchFamily="34" charset="0"/>
+              <a:buChar char="•"/>
+            </a:pPr>
+            <a:r>
+              <a:rPr lang="en-US" sz="2800" b="0" dirty="0">
                 <a:solidFill>
                   <a:srgbClr val="000060"/>
                 </a:solidFill>
@@ -6103,12 +6019,12 @@
               <a:spcBef>
                 <a:spcPts val="1682"/>
               </a:spcBef>
-              <a:buSzPct val="75000"/>
-              <a:buFont typeface="Wingdings" panose="05000000000000000000" pitchFamily="2" charset="2"/>
-              <a:buChar char="§"/>
-            </a:pPr>
-            <a:r>
-              <a:rPr lang="en-US" sz="2990" b="0" dirty="0">
+              <a:buSzPct val="125000"/>
+              <a:buFont typeface="Arial" panose="020B0604020202020204" pitchFamily="34" charset="0"/>
+              <a:buChar char="•"/>
+            </a:pPr>
+            <a:r>
+              <a:rPr lang="en-US" sz="2800" b="0" dirty="0">
                 <a:solidFill>
                   <a:srgbClr val="000060"/>
                 </a:solidFill>
@@ -6123,9 +6039,9 @@
               <a:spcBef>
                 <a:spcPts val="1682"/>
               </a:spcBef>
-              <a:buSzPct val="75000"/>
-              <a:buFont typeface="Wingdings" panose="05000000000000000000" pitchFamily="2" charset="2"/>
-              <a:buChar char="§"/>
+              <a:buSzPct val="80000"/>
+              <a:buFont typeface="Arial" panose="020B0604020202020204" pitchFamily="34" charset="0"/>
+              <a:buChar char="•"/>
             </a:pPr>
             <a:endParaRPr lang="en-US" sz="2990" b="0" dirty="0">
               <a:solidFill>
@@ -6206,65 +6122,6 @@
             <a:endParaRPr lang="en-US" sz="2990" b="0" dirty="0">
               <a:solidFill>
                 <a:srgbClr val="000060"/>
-              </a:solidFill>
-              <a:latin typeface="Arial" panose="020B0604020202020204" pitchFamily="34" charset="0"/>
-              <a:cs typeface="Arial" panose="020B0604020202020204" pitchFamily="34" charset="0"/>
-            </a:endParaRPr>
-          </a:p>
-        </p:txBody>
-      </p:sp>
-      <p:sp>
-        <p:nvSpPr>
-          <p:cNvPr id="235" name="Rectangle 4"/>
-          <p:cNvSpPr>
-            <a:spLocks noChangeArrowheads="1"/>
-          </p:cNvSpPr>
-          <p:nvPr/>
-        </p:nvSpPr>
-        <p:spPr bwMode="auto">
-          <a:xfrm>
-            <a:off x="21381068" y="15573682"/>
-            <a:ext cx="7018664" cy="779110"/>
-          </a:xfrm>
-          <a:prstGeom prst="rect">
-            <a:avLst/>
-          </a:prstGeom>
-          <a:noFill/>
-          <a:ln>
-            <a:noFill/>
-          </a:ln>
-          <a:extLst>
-            <a:ext uri="{909E8E84-426E-40DD-AFC4-6F175D3DCCD1}">
-              <a14:hiddenFill xmlns:a14="http://schemas.microsoft.com/office/drawing/2010/main">
-                <a:solidFill>
-                  <a:srgbClr val="FFFFFF"/>
-                </a:solidFill>
-              </a14:hiddenFill>
-            </a:ext>
-            <a:ext uri="{91240B29-F687-4F45-9708-019B960494DF}">
-              <a14:hiddenLine xmlns:a14="http://schemas.microsoft.com/office/drawing/2010/main" w="9525">
-                <a:solidFill>
-                  <a:srgbClr val="000000"/>
-                </a:solidFill>
-                <a:miter lim="800000"/>
-                <a:headEnd/>
-                <a:tailEnd/>
-              </a14:hiddenLine>
-            </a:ext>
-          </a:extLst>
-        </p:spPr>
-        <p:txBody>
-          <a:bodyPr/>
-          <a:lstStyle/>
-          <a:p>
-            <a:pPr algn="ctr" rtl="0">
-              <a:spcBef>
-                <a:spcPts val="1682"/>
-              </a:spcBef>
-            </a:pPr>
-            <a:endParaRPr lang="en-US" sz="2200" b="0" dirty="0">
-              <a:solidFill>
-                <a:schemeClr val="dk1"/>
               </a:solidFill>
               <a:latin typeface="Arial" panose="020B0604020202020204" pitchFamily="34" charset="0"/>
               <a:cs typeface="Arial" panose="020B0604020202020204" pitchFamily="34" charset="0"/>
@@ -7048,7 +6905,7 @@
         <p:spPr>
           <a:xfrm>
             <a:off x="20392694" y="10037739"/>
-            <a:ext cx="9024464" cy="4847481"/>
+            <a:ext cx="9024464" cy="4108817"/>
           </a:xfrm>
           <a:prstGeom prst="rect">
             <a:avLst/>
@@ -7070,7 +6927,7 @@
               <a:buChar char="•"/>
             </a:pPr>
             <a:r>
-              <a:rPr lang="en-US" sz="2800" b="0" dirty="0">
+              <a:rPr lang="en-US" sz="2400" b="0" dirty="0">
                 <a:solidFill>
                   <a:srgbClr val="000060"/>
                 </a:solidFill>
@@ -7090,7 +6947,7 @@
               <a:buChar char="•"/>
             </a:pPr>
             <a:r>
-              <a:rPr lang="en-US" sz="2800" b="0" dirty="0">
+              <a:rPr lang="en-US" sz="2400" b="0" dirty="0">
                 <a:solidFill>
                   <a:srgbClr val="000060"/>
                 </a:solidFill>
@@ -7110,7 +6967,7 @@
               <a:buChar char="•"/>
             </a:pPr>
             <a:r>
-              <a:rPr lang="en-US" sz="2800" b="0" dirty="0">
+              <a:rPr lang="en-US" sz="2400" b="0" dirty="0">
                 <a:solidFill>
                   <a:srgbClr val="000060"/>
                 </a:solidFill>
@@ -7130,7 +6987,7 @@
               <a:buChar char="•"/>
             </a:pPr>
             <a:r>
-              <a:rPr lang="en-US" sz="2800" b="0" dirty="0">
+              <a:rPr lang="en-US" sz="2400" b="0" dirty="0">
                 <a:solidFill>
                   <a:srgbClr val="000060"/>
                 </a:solidFill>
@@ -7150,7 +7007,7 @@
               <a:buChar char="•"/>
             </a:pPr>
             <a:r>
-              <a:rPr lang="en-US" sz="2800" b="0" dirty="0">
+              <a:rPr lang="en-US" sz="2400" b="0" dirty="0">
                 <a:solidFill>
                   <a:srgbClr val="000060"/>
                 </a:solidFill>
@@ -8175,117 +8032,6 @@
       </p:pic>
       <p:pic>
         <p:nvPicPr>
-          <p:cNvPr id="63" name="Picture 62" descr="A screenshot of a cell phone&#10;&#10;Description automatically generated">
-            <a:extLst>
-              <a:ext uri="{FF2B5EF4-FFF2-40B4-BE49-F238E27FC236}">
-                <a16:creationId xmlns:a16="http://schemas.microsoft.com/office/drawing/2014/main" id="{A3680C49-599E-4055-8EB4-61413C942BAC}"/>
-              </a:ext>
-            </a:extLst>
-          </p:cNvPr>
-          <p:cNvPicPr>
-            <a:picLocks noChangeAspect="1"/>
-          </p:cNvPicPr>
-          <p:nvPr/>
-        </p:nvPicPr>
-        <p:blipFill rotWithShape="1">
-          <a:blip r:embed="rId10">
-            <a:clrChange>
-              <a:clrFrom>
-                <a:srgbClr val="FFFFFF"/>
-              </a:clrFrom>
-              <a:clrTo>
-                <a:srgbClr val="FFFFFF">
-                  <a:alpha val="0"/>
-                </a:srgbClr>
-              </a:clrTo>
-            </a:clrChange>
-            <a:extLst>
-              <a:ext uri="{28A0092B-C50C-407E-A947-70E740481C1C}">
-                <a14:useLocalDpi xmlns:a14="http://schemas.microsoft.com/office/drawing/2010/main" val="0"/>
-              </a:ext>
-            </a:extLst>
-          </a:blip>
-          <a:srcRect t="7407" b="12963"/>
-          <a:stretch/>
-        </p:blipFill>
-        <p:spPr>
-          <a:xfrm>
-            <a:off x="21081753" y="16372509"/>
-            <a:ext cx="7985289" cy="3815194"/>
-          </a:xfrm>
-          <a:prstGeom prst="rect">
-            <a:avLst/>
-          </a:prstGeom>
-        </p:spPr>
-      </p:pic>
-      <p:sp>
-        <p:nvSpPr>
-          <p:cNvPr id="64" name="ZoneTexte 8">
-            <a:extLst>
-              <a:ext uri="{FF2B5EF4-FFF2-40B4-BE49-F238E27FC236}">
-                <a16:creationId xmlns:a16="http://schemas.microsoft.com/office/drawing/2014/main" id="{8EE95BAD-9698-428A-AFDA-73D9EB2E4E49}"/>
-              </a:ext>
-            </a:extLst>
-          </p:cNvPr>
-          <p:cNvSpPr txBox="1"/>
-          <p:nvPr/>
-        </p:nvSpPr>
-        <p:spPr>
-          <a:xfrm>
-            <a:off x="20556000" y="20895659"/>
-            <a:ext cx="9024464" cy="1603003"/>
-          </a:xfrm>
-          <a:prstGeom prst="rect">
-            <a:avLst/>
-          </a:prstGeom>
-          <a:noFill/>
-        </p:spPr>
-        <p:txBody>
-          <a:bodyPr wrap="square" rtlCol="1">
-            <a:spAutoFit/>
-          </a:bodyPr>
-          <a:lstStyle/>
-          <a:p>
-            <a:pPr marL="425679" indent="-425679" algn="l" rtl="0">
-              <a:spcBef>
-                <a:spcPts val="1682"/>
-              </a:spcBef>
-              <a:buSzPct val="125000"/>
-              <a:buFont typeface="Arial" pitchFamily="34" charset="0"/>
-              <a:buChar char="•"/>
-            </a:pPr>
-            <a:r>
-              <a:rPr lang="en-US" sz="2800" b="0" dirty="0">
-                <a:solidFill>
-                  <a:srgbClr val="000060"/>
-                </a:solidFill>
-                <a:latin typeface="Calibri" panose="020F0502020204030204" pitchFamily="34" charset="0"/>
-                <a:cs typeface="Calibri" panose="020F0502020204030204" pitchFamily="34" charset="0"/>
-              </a:rPr>
-              <a:t>No significant overhead for integrating DCN into architecture. From main article:</a:t>
-            </a:r>
-          </a:p>
-          <a:p>
-            <a:pPr marL="425679" indent="-425679" algn="l" rtl="0">
-              <a:spcBef>
-                <a:spcPts val="1682"/>
-              </a:spcBef>
-              <a:buSzPct val="125000"/>
-              <a:buFont typeface="Arial" pitchFamily="34" charset="0"/>
-              <a:buChar char="•"/>
-            </a:pPr>
-            <a:endParaRPr lang="en-US" sz="2800" b="0" dirty="0">
-              <a:solidFill>
-                <a:srgbClr val="000060"/>
-              </a:solidFill>
-              <a:latin typeface="Calibri" panose="020F0502020204030204" pitchFamily="34" charset="0"/>
-              <a:cs typeface="Calibri" panose="020F0502020204030204" pitchFamily="34" charset="0"/>
-            </a:endParaRPr>
-          </a:p>
-        </p:txBody>
-      </p:sp>
-      <p:pic>
-        <p:nvPicPr>
           <p:cNvPr id="4" name="Picture 3">
             <a:extLst>
               <a:ext uri="{FF2B5EF4-FFF2-40B4-BE49-F238E27FC236}">
@@ -8299,7 +8045,7 @@
           <p:nvPr/>
         </p:nvPicPr>
         <p:blipFill>
-          <a:blip r:embed="rId11"/>
+          <a:blip r:embed="rId10"/>
           <a:stretch>
             <a:fillRect/>
           </a:stretch>
@@ -8432,7 +8178,7 @@
           <p:nvPr/>
         </p:nvPicPr>
         <p:blipFill>
-          <a:blip r:embed="rId12">
+          <a:blip r:embed="rId11">
             <a:extLst>
               <a:ext uri="{28A0092B-C50C-407E-A947-70E740481C1C}">
                 <a14:useLocalDpi xmlns:a14="http://schemas.microsoft.com/office/drawing/2010/main" val="0"/>
@@ -8617,102 +8363,401 @@
           </a:p>
         </p:txBody>
       </p:sp>
-      <p:sp>
-        <p:nvSpPr>
-          <p:cNvPr id="73" name="ZoneTexte 8">
+      <p:grpSp>
+        <p:nvGrpSpPr>
+          <p:cNvPr id="15" name="Group 14">
             <a:extLst>
               <a:ext uri="{FF2B5EF4-FFF2-40B4-BE49-F238E27FC236}">
-                <a16:creationId xmlns:a16="http://schemas.microsoft.com/office/drawing/2014/main" id="{7C150AD6-DEAF-4FB5-BEA0-188B77BFAF3D}"/>
+                <a16:creationId xmlns:a16="http://schemas.microsoft.com/office/drawing/2014/main" id="{96FC6EED-937E-48CE-A8BC-90FFFA6F106B}"/>
               </a:ext>
             </a:extLst>
           </p:cNvPr>
-          <p:cNvSpPr txBox="1"/>
+          <p:cNvGrpSpPr/>
           <p:nvPr/>
-        </p:nvSpPr>
-        <p:spPr>
+        </p:nvGrpSpPr>
+        <p:grpSpPr>
           <a:xfrm>
-            <a:off x="20708777" y="15741519"/>
-            <a:ext cx="9024464" cy="1172116"/>
+            <a:off x="20128864" y="13105993"/>
+            <a:ext cx="9568508" cy="11915847"/>
+            <a:chOff x="20113200" y="14046814"/>
+            <a:chExt cx="9568508" cy="11425277"/>
           </a:xfrm>
-          <a:prstGeom prst="rect">
-            <a:avLst/>
-          </a:prstGeom>
-          <a:noFill/>
-        </p:spPr>
-        <p:txBody>
-          <a:bodyPr wrap="square" rtlCol="1">
-            <a:spAutoFit/>
-          </a:bodyPr>
-          <a:lstStyle/>
-          <a:p>
-            <a:pPr marL="425679" indent="-425679" algn="l" rtl="0">
-              <a:spcBef>
-                <a:spcPts val="1682"/>
-              </a:spcBef>
-              <a:buSzPct val="125000"/>
-              <a:buFont typeface="Arial" pitchFamily="34" charset="0"/>
-              <a:buChar char="•"/>
-            </a:pPr>
-            <a:r>
-              <a:rPr lang="en-US" sz="2800" b="0" dirty="0">
-                <a:solidFill>
-                  <a:srgbClr val="000060"/>
-                </a:solidFill>
-                <a:latin typeface="Calibri" panose="020F0502020204030204" pitchFamily="34" charset="0"/>
-                <a:cs typeface="Calibri" panose="020F0502020204030204" pitchFamily="34" charset="0"/>
-              </a:rPr>
-              <a:t>DCN performed well in COCO Object Detection challenge</a:t>
-            </a:r>
-          </a:p>
-          <a:p>
-            <a:pPr marL="425679" indent="-425679" algn="l" rtl="0">
-              <a:spcBef>
-                <a:spcPts val="1682"/>
-              </a:spcBef>
-              <a:buSzPct val="125000"/>
-              <a:buFont typeface="Arial" pitchFamily="34" charset="0"/>
-              <a:buChar char="•"/>
-            </a:pPr>
-            <a:endParaRPr lang="en-US" sz="2800" b="0" dirty="0">
+        </p:grpSpPr>
+        <p:sp>
+          <p:nvSpPr>
+            <p:cNvPr id="212" name="Rounded Rectangle 199"/>
+            <p:cNvSpPr/>
+            <p:nvPr/>
+          </p:nvSpPr>
+          <p:spPr>
+            <a:xfrm>
+              <a:off x="20113200" y="14046814"/>
+              <a:ext cx="9568508" cy="11425277"/>
+            </a:xfrm>
+            <a:prstGeom prst="roundRect">
+              <a:avLst>
+                <a:gd name="adj" fmla="val 2631"/>
+              </a:avLst>
+            </a:prstGeom>
+            <a:noFill/>
+            <a:ln w="76200" cap="flat" cmpd="sng" algn="ctr">
               <a:solidFill>
                 <a:srgbClr val="000060"/>
               </a:solidFill>
-              <a:latin typeface="Calibri" panose="020F0502020204030204" pitchFamily="34" charset="0"/>
-              <a:cs typeface="Calibri" panose="020F0502020204030204" pitchFamily="34" charset="0"/>
-            </a:endParaRPr>
-          </a:p>
-        </p:txBody>
-      </p:sp>
-      <p:pic>
-        <p:nvPicPr>
-          <p:cNvPr id="10" name="Picture 9">
+              <a:prstDash val="solid"/>
+            </a:ln>
+            <a:effectLst/>
+          </p:spPr>
+          <p:txBody>
+            <a:bodyPr rtlCol="1" anchor="ctr"/>
+            <a:lstStyle/>
+            <a:p>
+              <a:pPr algn="ctr" defTabSz="854324" fontAlgn="auto">
+                <a:spcBef>
+                  <a:spcPts val="0"/>
+                </a:spcBef>
+                <a:spcAft>
+                  <a:spcPts val="0"/>
+                </a:spcAft>
+                <a:defRPr/>
+              </a:pPr>
+              <a:endParaRPr lang="he-IL" sz="7661" b="0" kern="0">
+                <a:solidFill>
+                  <a:srgbClr val="FFFFFF"/>
+                </a:solidFill>
+                <a:latin typeface="Arial" panose="020B0604020202020204" pitchFamily="34" charset="0"/>
+                <a:cs typeface="Arial" panose="020B0604020202020204" pitchFamily="34" charset="0"/>
+              </a:endParaRPr>
+            </a:p>
+          </p:txBody>
+        </p:sp>
+        <p:sp>
+          <p:nvSpPr>
+            <p:cNvPr id="213" name="Rectangle 2"/>
+            <p:cNvSpPr>
+              <a:spLocks noChangeArrowheads="1"/>
+            </p:cNvSpPr>
+            <p:nvPr/>
+          </p:nvSpPr>
+          <p:spPr bwMode="auto">
+            <a:xfrm>
+              <a:off x="20564428" y="14382424"/>
+              <a:ext cx="8802025" cy="1009048"/>
+            </a:xfrm>
+            <a:prstGeom prst="rect">
+              <a:avLst/>
+            </a:prstGeom>
+            <a:noFill/>
+            <a:ln>
+              <a:noFill/>
+            </a:ln>
             <a:extLst>
-              <a:ext uri="{FF2B5EF4-FFF2-40B4-BE49-F238E27FC236}">
-                <a16:creationId xmlns:a16="http://schemas.microsoft.com/office/drawing/2014/main" id="{D1E91FAB-6BBC-4CD4-AA60-4BE54469D335}"/>
+              <a:ext uri="{909E8E84-426E-40DD-AFC4-6F175D3DCCD1}">
+                <a14:hiddenFill xmlns:a14="http://schemas.microsoft.com/office/drawing/2010/main">
+                  <a:solidFill>
+                    <a:srgbClr val="FFFFFF"/>
+                  </a:solidFill>
+                </a14:hiddenFill>
+              </a:ext>
+              <a:ext uri="{91240B29-F687-4F45-9708-019B960494DF}">
+                <a14:hiddenLine xmlns:a14="http://schemas.microsoft.com/office/drawing/2010/main" w="9525">
+                  <a:solidFill>
+                    <a:srgbClr val="000000"/>
+                  </a:solidFill>
+                  <a:miter lim="800000"/>
+                  <a:headEnd/>
+                  <a:tailEnd/>
+                </a14:hiddenLine>
               </a:ext>
             </a:extLst>
-          </p:cNvPr>
-          <p:cNvPicPr>
-            <a:picLocks noChangeAspect="1"/>
-          </p:cNvPicPr>
-          <p:nvPr/>
-        </p:nvPicPr>
-        <p:blipFill>
-          <a:blip r:embed="rId13"/>
-          <a:stretch>
-            <a:fillRect/>
-          </a:stretch>
-        </p:blipFill>
-        <p:spPr>
-          <a:xfrm>
-            <a:off x="23050146" y="22121962"/>
-            <a:ext cx="3830588" cy="2989291"/>
-          </a:xfrm>
-          <a:prstGeom prst="rect">
-            <a:avLst/>
-          </a:prstGeom>
-        </p:spPr>
-      </p:pic>
+          </p:spPr>
+          <p:txBody>
+            <a:bodyPr anchor="ctr"/>
+            <a:lstStyle/>
+            <a:p>
+              <a:pPr algn="l" defTabSz="3900819" rtl="0"/>
+              <a:r>
+                <a:rPr lang="en-US" sz="5400" dirty="0">
+                  <a:solidFill>
+                    <a:srgbClr val="D1282E">
+                      <a:lumMod val="75000"/>
+                    </a:srgbClr>
+                  </a:solidFill>
+                  <a:latin typeface="Calibri Light" panose="020F0302020204030204" pitchFamily="34" charset="0"/>
+                  <a:cs typeface="Calibri Light" panose="020F0302020204030204" pitchFamily="34" charset="0"/>
+                </a:rPr>
+                <a:t>DCN performance</a:t>
+              </a:r>
+            </a:p>
+          </p:txBody>
+        </p:sp>
+        <p:sp>
+          <p:nvSpPr>
+            <p:cNvPr id="235" name="Rectangle 4"/>
+            <p:cNvSpPr>
+              <a:spLocks noChangeArrowheads="1"/>
+            </p:cNvSpPr>
+            <p:nvPr/>
+          </p:nvSpPr>
+          <p:spPr bwMode="auto">
+            <a:xfrm>
+              <a:off x="21381068" y="15573682"/>
+              <a:ext cx="7018664" cy="779110"/>
+            </a:xfrm>
+            <a:prstGeom prst="rect">
+              <a:avLst/>
+            </a:prstGeom>
+            <a:noFill/>
+            <a:ln>
+              <a:noFill/>
+            </a:ln>
+            <a:extLst>
+              <a:ext uri="{909E8E84-426E-40DD-AFC4-6F175D3DCCD1}">
+                <a14:hiddenFill xmlns:a14="http://schemas.microsoft.com/office/drawing/2010/main">
+                  <a:solidFill>
+                    <a:srgbClr val="FFFFFF"/>
+                  </a:solidFill>
+                </a14:hiddenFill>
+              </a:ext>
+              <a:ext uri="{91240B29-F687-4F45-9708-019B960494DF}">
+                <a14:hiddenLine xmlns:a14="http://schemas.microsoft.com/office/drawing/2010/main" w="9525">
+                  <a:solidFill>
+                    <a:srgbClr val="000000"/>
+                  </a:solidFill>
+                  <a:miter lim="800000"/>
+                  <a:headEnd/>
+                  <a:tailEnd/>
+                </a14:hiddenLine>
+              </a:ext>
+            </a:extLst>
+          </p:spPr>
+          <p:txBody>
+            <a:bodyPr/>
+            <a:lstStyle/>
+            <a:p>
+              <a:pPr algn="ctr" rtl="0">
+                <a:spcBef>
+                  <a:spcPts val="1682"/>
+                </a:spcBef>
+              </a:pPr>
+              <a:endParaRPr lang="en-US" sz="2200" b="0" dirty="0">
+                <a:solidFill>
+                  <a:schemeClr val="dk1"/>
+                </a:solidFill>
+                <a:latin typeface="Arial" panose="020B0604020202020204" pitchFamily="34" charset="0"/>
+                <a:cs typeface="Arial" panose="020B0604020202020204" pitchFamily="34" charset="0"/>
+              </a:endParaRPr>
+            </a:p>
+          </p:txBody>
+        </p:sp>
+        <p:pic>
+          <p:nvPicPr>
+            <p:cNvPr id="63" name="Picture 62" descr="A screenshot of a cell phone&#10;&#10;Description automatically generated">
+              <a:extLst>
+                <a:ext uri="{FF2B5EF4-FFF2-40B4-BE49-F238E27FC236}">
+                  <a16:creationId xmlns:a16="http://schemas.microsoft.com/office/drawing/2014/main" id="{A3680C49-599E-4055-8EB4-61413C942BAC}"/>
+                </a:ext>
+              </a:extLst>
+            </p:cNvPr>
+            <p:cNvPicPr>
+              <a:picLocks noChangeAspect="1"/>
+            </p:cNvPicPr>
+            <p:nvPr/>
+          </p:nvPicPr>
+          <p:blipFill rotWithShape="1">
+            <a:blip r:embed="rId12">
+              <a:clrChange>
+                <a:clrFrom>
+                  <a:srgbClr val="FFFFFF"/>
+                </a:clrFrom>
+                <a:clrTo>
+                  <a:srgbClr val="FFFFFF">
+                    <a:alpha val="0"/>
+                  </a:srgbClr>
+                </a:clrTo>
+              </a:clrChange>
+              <a:extLst>
+                <a:ext uri="{28A0092B-C50C-407E-A947-70E740481C1C}">
+                  <a14:useLocalDpi xmlns:a14="http://schemas.microsoft.com/office/drawing/2010/main" val="0"/>
+                </a:ext>
+              </a:extLst>
+            </a:blip>
+            <a:srcRect t="7407" b="12963"/>
+            <a:stretch/>
+          </p:blipFill>
+          <p:spPr>
+            <a:xfrm>
+              <a:off x="21081753" y="16372509"/>
+              <a:ext cx="7985289" cy="3815194"/>
+            </a:xfrm>
+            <a:prstGeom prst="rect">
+              <a:avLst/>
+            </a:prstGeom>
+          </p:spPr>
+        </p:pic>
+        <p:sp>
+          <p:nvSpPr>
+            <p:cNvPr id="64" name="ZoneTexte 8">
+              <a:extLst>
+                <a:ext uri="{FF2B5EF4-FFF2-40B4-BE49-F238E27FC236}">
+                  <a16:creationId xmlns:a16="http://schemas.microsoft.com/office/drawing/2014/main" id="{8EE95BAD-9698-428A-AFDA-73D9EB2E4E49}"/>
+                </a:ext>
+              </a:extLst>
+            </p:cNvPr>
+            <p:cNvSpPr txBox="1"/>
+            <p:nvPr/>
+          </p:nvSpPr>
+          <p:spPr>
+            <a:xfrm>
+              <a:off x="20421411" y="20913002"/>
+              <a:ext cx="9024464" cy="1603003"/>
+            </a:xfrm>
+            <a:prstGeom prst="rect">
+              <a:avLst/>
+            </a:prstGeom>
+            <a:noFill/>
+          </p:spPr>
+          <p:txBody>
+            <a:bodyPr wrap="square" rtlCol="1">
+              <a:spAutoFit/>
+            </a:bodyPr>
+            <a:lstStyle/>
+            <a:p>
+              <a:pPr marL="425679" indent="-425679" algn="l" rtl="0">
+                <a:spcBef>
+                  <a:spcPts val="1682"/>
+                </a:spcBef>
+                <a:buSzPct val="125000"/>
+                <a:buFont typeface="Arial" pitchFamily="34" charset="0"/>
+                <a:buChar char="•"/>
+              </a:pPr>
+              <a:r>
+                <a:rPr lang="en-US" sz="2800" b="0" dirty="0">
+                  <a:solidFill>
+                    <a:srgbClr val="000060"/>
+                  </a:solidFill>
+                  <a:latin typeface="Calibri" panose="020F0502020204030204" pitchFamily="34" charset="0"/>
+                  <a:cs typeface="Calibri" panose="020F0502020204030204" pitchFamily="34" charset="0"/>
+                </a:rPr>
+                <a:t>No significant overhead for integrating DCN into architecture. From main article:</a:t>
+              </a:r>
+            </a:p>
+            <a:p>
+              <a:pPr marL="425679" indent="-425679" algn="l" rtl="0">
+                <a:spcBef>
+                  <a:spcPts val="1682"/>
+                </a:spcBef>
+                <a:buSzPct val="125000"/>
+                <a:buFont typeface="Arial" pitchFamily="34" charset="0"/>
+                <a:buChar char="•"/>
+              </a:pPr>
+              <a:endParaRPr lang="en-US" sz="2800" b="0" dirty="0">
+                <a:solidFill>
+                  <a:srgbClr val="000060"/>
+                </a:solidFill>
+                <a:latin typeface="Calibri" panose="020F0502020204030204" pitchFamily="34" charset="0"/>
+                <a:cs typeface="Calibri" panose="020F0502020204030204" pitchFamily="34" charset="0"/>
+              </a:endParaRPr>
+            </a:p>
+          </p:txBody>
+        </p:sp>
+        <p:sp>
+          <p:nvSpPr>
+            <p:cNvPr id="73" name="ZoneTexte 8">
+              <a:extLst>
+                <a:ext uri="{FF2B5EF4-FFF2-40B4-BE49-F238E27FC236}">
+                  <a16:creationId xmlns:a16="http://schemas.microsoft.com/office/drawing/2014/main" id="{7C150AD6-DEAF-4FB5-BEA0-188B77BFAF3D}"/>
+                </a:ext>
+              </a:extLst>
+            </p:cNvPr>
+            <p:cNvSpPr txBox="1"/>
+            <p:nvPr/>
+          </p:nvSpPr>
+          <p:spPr>
+            <a:xfrm>
+              <a:off x="20392694" y="15468890"/>
+              <a:ext cx="9024464" cy="1172116"/>
+            </a:xfrm>
+            <a:prstGeom prst="rect">
+              <a:avLst/>
+            </a:prstGeom>
+            <a:noFill/>
+          </p:spPr>
+          <p:txBody>
+            <a:bodyPr wrap="square" rtlCol="1">
+              <a:spAutoFit/>
+            </a:bodyPr>
+            <a:lstStyle/>
+            <a:p>
+              <a:pPr marL="425679" indent="-425679" algn="l" rtl="0">
+                <a:spcBef>
+                  <a:spcPts val="1682"/>
+                </a:spcBef>
+                <a:buSzPct val="125000"/>
+                <a:buFont typeface="Arial" pitchFamily="34" charset="0"/>
+                <a:buChar char="•"/>
+              </a:pPr>
+              <a:r>
+                <a:rPr lang="en-US" sz="2800" b="0" dirty="0">
+                  <a:solidFill>
+                    <a:srgbClr val="000060"/>
+                  </a:solidFill>
+                  <a:latin typeface="Calibri" panose="020F0502020204030204" pitchFamily="34" charset="0"/>
+                  <a:cs typeface="Calibri" panose="020F0502020204030204" pitchFamily="34" charset="0"/>
+                </a:rPr>
+                <a:t>DCN performed well in COCO Object Detection challenge</a:t>
+              </a:r>
+            </a:p>
+            <a:p>
+              <a:pPr marL="425679" indent="-425679" algn="l" rtl="0">
+                <a:spcBef>
+                  <a:spcPts val="1682"/>
+                </a:spcBef>
+                <a:buSzPct val="125000"/>
+                <a:buFont typeface="Arial" pitchFamily="34" charset="0"/>
+                <a:buChar char="•"/>
+              </a:pPr>
+              <a:endParaRPr lang="en-US" sz="2800" b="0" dirty="0">
+                <a:solidFill>
+                  <a:srgbClr val="000060"/>
+                </a:solidFill>
+                <a:latin typeface="Calibri" panose="020F0502020204030204" pitchFamily="34" charset="0"/>
+                <a:cs typeface="Calibri" panose="020F0502020204030204" pitchFamily="34" charset="0"/>
+              </a:endParaRPr>
+            </a:p>
+          </p:txBody>
+        </p:sp>
+        <p:pic>
+          <p:nvPicPr>
+            <p:cNvPr id="10" name="Picture 9">
+              <a:extLst>
+                <a:ext uri="{FF2B5EF4-FFF2-40B4-BE49-F238E27FC236}">
+                  <a16:creationId xmlns:a16="http://schemas.microsoft.com/office/drawing/2014/main" id="{D1E91FAB-6BBC-4CD4-AA60-4BE54469D335}"/>
+                </a:ext>
+              </a:extLst>
+            </p:cNvPr>
+            <p:cNvPicPr>
+              <a:picLocks noChangeAspect="1"/>
+            </p:cNvPicPr>
+            <p:nvPr/>
+          </p:nvPicPr>
+          <p:blipFill>
+            <a:blip r:embed="rId13"/>
+            <a:stretch>
+              <a:fillRect/>
+            </a:stretch>
+          </p:blipFill>
+          <p:spPr>
+            <a:xfrm>
+              <a:off x="23050146" y="22121962"/>
+              <a:ext cx="3830588" cy="2989291"/>
+            </a:xfrm>
+            <a:prstGeom prst="rect">
+              <a:avLst/>
+            </a:prstGeom>
+          </p:spPr>
+        </p:pic>
+      </p:grpSp>
       <p:sp>
         <p:nvSpPr>
           <p:cNvPr id="65" name="Rounded Rectangle 132">
@@ -8927,7 +8972,7 @@
         </p:nvSpPr>
         <p:spPr>
           <a:xfrm>
-            <a:off x="20514942" y="26888281"/>
+            <a:off x="20408358" y="26623392"/>
             <a:ext cx="9024464" cy="5065489"/>
           </a:xfrm>
           <a:prstGeom prst="rect">
@@ -9028,12 +9073,12 @@
             </a:r>
           </a:p>
           <a:p>
-            <a:pPr marL="425679" indent="-425679" algn="l" rtl="0">
+            <a:pPr marL="457200" indent="-457200" algn="l" rtl="0">
               <a:spcBef>
                 <a:spcPts val="1682"/>
               </a:spcBef>
               <a:buSzPct val="125000"/>
-              <a:buFont typeface="Arial" pitchFamily="34" charset="0"/>
+              <a:buFont typeface="Arial" panose="020B0604020202020204" pitchFamily="34" charset="0"/>
               <a:buChar char="•"/>
             </a:pPr>
             <a:r>
@@ -9122,7 +9167,7 @@
         </p:nvSpPr>
         <p:spPr bwMode="auto">
           <a:xfrm>
-            <a:off x="20421411" y="32428555"/>
+            <a:off x="20279342" y="31369166"/>
             <a:ext cx="8475042" cy="1009048"/>
           </a:xfrm>
           <a:prstGeom prst="rect">
@@ -9186,7 +9231,7 @@
         </p:nvSpPr>
         <p:spPr>
           <a:xfrm>
-            <a:off x="20514942" y="33633792"/>
+            <a:off x="20437075" y="32511295"/>
             <a:ext cx="9024464" cy="2682786"/>
           </a:xfrm>
           <a:prstGeom prst="rect">
@@ -9216,7 +9261,7 @@
                 <a:latin typeface="Calibri" panose="020F0502020204030204" pitchFamily="34" charset="0"/>
                 <a:cs typeface="Calibri" panose="020F0502020204030204" pitchFamily="34" charset="0"/>
               </a:rPr>
-              <a:t>Getting visualization of deformed convolution layers, to characterize deformation performance in layers</a:t>
+              <a:t>Add visualization to deformed layers – for better characterization &amp; evaluation</a:t>
             </a:r>
           </a:p>
           <a:p>
@@ -9236,7 +9281,7 @@
                 <a:latin typeface="Calibri" panose="020F0502020204030204" pitchFamily="34" charset="0"/>
                 <a:cs typeface="Calibri" panose="020F0502020204030204" pitchFamily="34" charset="0"/>
               </a:rPr>
-              <a:t>Using architecture on datasets such as COCO that are known to be improved by using DCN layers</a:t>
+              <a:t>Use on datasets such as COCO, that are known to be improved by using DCN layers</a:t>
             </a:r>
           </a:p>
           <a:p>
@@ -9277,6 +9322,236 @@
                 <a:cs typeface="Calibri" panose="020F0502020204030204" pitchFamily="34" charset="0"/>
               </a:rPr>
               <a:t> challenge</a:t>
+            </a:r>
+          </a:p>
+        </p:txBody>
+      </p:sp>
+      <p:pic>
+        <p:nvPicPr>
+          <p:cNvPr id="12" name="Picture 11">
+            <a:extLst>
+              <a:ext uri="{FF2B5EF4-FFF2-40B4-BE49-F238E27FC236}">
+                <a16:creationId xmlns:a16="http://schemas.microsoft.com/office/drawing/2014/main" id="{2DDCEB42-9FF3-4A73-AF59-4937565A60BE}"/>
+              </a:ext>
+            </a:extLst>
+          </p:cNvPr>
+          <p:cNvPicPr>
+            <a:picLocks noChangeAspect="1"/>
+          </p:cNvPicPr>
+          <p:nvPr/>
+        </p:nvPicPr>
+        <p:blipFill>
+          <a:blip r:embed="rId14" cstate="print">
+            <a:extLst>
+              <a:ext uri="{28A0092B-C50C-407E-A947-70E740481C1C}">
+                <a14:useLocalDpi xmlns:a14="http://schemas.microsoft.com/office/drawing/2010/main" val="0"/>
+              </a:ext>
+            </a:extLst>
+          </a:blip>
+          <a:stretch>
+            <a:fillRect/>
+          </a:stretch>
+        </p:blipFill>
+        <p:spPr>
+          <a:xfrm>
+            <a:off x="20406485" y="35498881"/>
+            <a:ext cx="4402957" cy="4554102"/>
+          </a:xfrm>
+          <a:prstGeom prst="rect">
+            <a:avLst/>
+          </a:prstGeom>
+        </p:spPr>
+      </p:pic>
+      <p:pic>
+        <p:nvPicPr>
+          <p:cNvPr id="14" name="Picture 13">
+            <a:extLst>
+              <a:ext uri="{FF2B5EF4-FFF2-40B4-BE49-F238E27FC236}">
+                <a16:creationId xmlns:a16="http://schemas.microsoft.com/office/drawing/2014/main" id="{A0FAD816-F3E7-4324-8FCA-D71F2801A4DE}"/>
+              </a:ext>
+            </a:extLst>
+          </p:cNvPr>
+          <p:cNvPicPr>
+            <a:picLocks noChangeAspect="1"/>
+          </p:cNvPicPr>
+          <p:nvPr/>
+        </p:nvPicPr>
+        <p:blipFill>
+          <a:blip r:embed="rId15" cstate="print">
+            <a:extLst>
+              <a:ext uri="{28A0092B-C50C-407E-A947-70E740481C1C}">
+                <a14:useLocalDpi xmlns:a14="http://schemas.microsoft.com/office/drawing/2010/main" val="0"/>
+              </a:ext>
+            </a:extLst>
+          </a:blip>
+          <a:stretch>
+            <a:fillRect/>
+          </a:stretch>
+        </p:blipFill>
+        <p:spPr>
+          <a:xfrm>
+            <a:off x="25203730" y="35498881"/>
+            <a:ext cx="4309246" cy="4533516"/>
+          </a:xfrm>
+          <a:prstGeom prst="rect">
+            <a:avLst/>
+          </a:prstGeom>
+        </p:spPr>
+      </p:pic>
+      <p:sp>
+        <p:nvSpPr>
+          <p:cNvPr id="75" name="Rectangle 4">
+            <a:extLst>
+              <a:ext uri="{FF2B5EF4-FFF2-40B4-BE49-F238E27FC236}">
+                <a16:creationId xmlns:a16="http://schemas.microsoft.com/office/drawing/2014/main" id="{A7368091-7F4F-4847-8368-FA3D056AA9C3}"/>
+              </a:ext>
+            </a:extLst>
+          </p:cNvPr>
+          <p:cNvSpPr>
+            <a:spLocks noChangeArrowheads="1"/>
+          </p:cNvSpPr>
+          <p:nvPr/>
+        </p:nvSpPr>
+        <p:spPr bwMode="auto">
+          <a:xfrm>
+            <a:off x="20743405" y="40070881"/>
+            <a:ext cx="3729116" cy="477238"/>
+          </a:xfrm>
+          <a:prstGeom prst="rect">
+            <a:avLst/>
+          </a:prstGeom>
+          <a:noFill/>
+          <a:ln>
+            <a:noFill/>
+          </a:ln>
+          <a:extLst>
+            <a:ext uri="{909E8E84-426E-40DD-AFC4-6F175D3DCCD1}">
+              <a14:hiddenFill xmlns:a14="http://schemas.microsoft.com/office/drawing/2010/main">
+                <a:solidFill>
+                  <a:srgbClr val="FFFFFF"/>
+                </a:solidFill>
+              </a14:hiddenFill>
+            </a:ext>
+            <a:ext uri="{91240B29-F687-4F45-9708-019B960494DF}">
+              <a14:hiddenLine xmlns:a14="http://schemas.microsoft.com/office/drawing/2010/main" w="9525">
+                <a:solidFill>
+                  <a:srgbClr val="000000"/>
+                </a:solidFill>
+                <a:miter lim="800000"/>
+                <a:headEnd/>
+                <a:tailEnd/>
+              </a14:hiddenLine>
+            </a:ext>
+          </a:extLst>
+        </p:spPr>
+        <p:txBody>
+          <a:bodyPr/>
+          <a:lstStyle/>
+          <a:p>
+            <a:pPr algn="l" rtl="0">
+              <a:spcBef>
+                <a:spcPts val="1682"/>
+              </a:spcBef>
+              <a:buSzPct val="125000"/>
+            </a:pPr>
+            <a:r>
+              <a:rPr lang="en-US" sz="2000" b="0" dirty="0" err="1">
+                <a:solidFill>
+                  <a:schemeClr val="tx1"/>
+                </a:solidFill>
+                <a:latin typeface="Calibri" panose="020F0502020204030204" pitchFamily="34" charset="0"/>
+                <a:cs typeface="Calibri" panose="020F0502020204030204" pitchFamily="34" charset="0"/>
+              </a:rPr>
+              <a:t>AlexNet</a:t>
+            </a:r>
+            <a:r>
+              <a:rPr lang="en-US" sz="2000" b="0" dirty="0">
+                <a:solidFill>
+                  <a:schemeClr val="tx1"/>
+                </a:solidFill>
+                <a:latin typeface="Calibri" panose="020F0502020204030204" pitchFamily="34" charset="0"/>
+                <a:cs typeface="Calibri" panose="020F0502020204030204" pitchFamily="34" charset="0"/>
+              </a:rPr>
+              <a:t>, no DCN, DS1, 50 epochs</a:t>
+            </a:r>
+          </a:p>
+        </p:txBody>
+      </p:sp>
+      <p:sp>
+        <p:nvSpPr>
+          <p:cNvPr id="76" name="Rectangle 4">
+            <a:extLst>
+              <a:ext uri="{FF2B5EF4-FFF2-40B4-BE49-F238E27FC236}">
+                <a16:creationId xmlns:a16="http://schemas.microsoft.com/office/drawing/2014/main" id="{D8CA6F0B-D3C4-4A02-8962-05174FFE553A}"/>
+              </a:ext>
+            </a:extLst>
+          </p:cNvPr>
+          <p:cNvSpPr>
+            <a:spLocks noChangeArrowheads="1"/>
+          </p:cNvSpPr>
+          <p:nvPr/>
+        </p:nvSpPr>
+        <p:spPr bwMode="auto">
+          <a:xfrm>
+            <a:off x="25505490" y="40070881"/>
+            <a:ext cx="3729116" cy="716232"/>
+          </a:xfrm>
+          <a:prstGeom prst="rect">
+            <a:avLst/>
+          </a:prstGeom>
+          <a:noFill/>
+          <a:ln>
+            <a:noFill/>
+          </a:ln>
+          <a:extLst>
+            <a:ext uri="{909E8E84-426E-40DD-AFC4-6F175D3DCCD1}">
+              <a14:hiddenFill xmlns:a14="http://schemas.microsoft.com/office/drawing/2010/main">
+                <a:solidFill>
+                  <a:srgbClr val="FFFFFF"/>
+                </a:solidFill>
+              </a14:hiddenFill>
+            </a:ext>
+            <a:ext uri="{91240B29-F687-4F45-9708-019B960494DF}">
+              <a14:hiddenLine xmlns:a14="http://schemas.microsoft.com/office/drawing/2010/main" w="9525">
+                <a:solidFill>
+                  <a:srgbClr val="000000"/>
+                </a:solidFill>
+                <a:miter lim="800000"/>
+                <a:headEnd/>
+                <a:tailEnd/>
+              </a14:hiddenLine>
+            </a:ext>
+          </a:extLst>
+        </p:spPr>
+        <p:txBody>
+          <a:bodyPr/>
+          <a:lstStyle/>
+          <a:p>
+            <a:pPr algn="l" rtl="0">
+              <a:spcBef>
+                <a:spcPts val="1682"/>
+              </a:spcBef>
+              <a:buSzPct val="125000"/>
+            </a:pPr>
+            <a:r>
+              <a:rPr lang="en-US" sz="2000" b="0" dirty="0" err="1">
+                <a:solidFill>
+                  <a:schemeClr val="tx1"/>
+                </a:solidFill>
+                <a:latin typeface="Calibri" panose="020F0502020204030204" pitchFamily="34" charset="0"/>
+                <a:cs typeface="Calibri" panose="020F0502020204030204" pitchFamily="34" charset="0"/>
+              </a:rPr>
+              <a:t>AlexNet</a:t>
+            </a:r>
+            <a:r>
+              <a:rPr lang="en-US" sz="2000" b="0" dirty="0">
+                <a:solidFill>
+                  <a:schemeClr val="tx1"/>
+                </a:solidFill>
+                <a:latin typeface="Calibri" panose="020F0502020204030204" pitchFamily="34" charset="0"/>
+                <a:cs typeface="Calibri" panose="020F0502020204030204" pitchFamily="34" charset="0"/>
+              </a:rPr>
+              <a:t>, 4-layer DCN, DS1, 50 epochs</a:t>
             </a:r>
           </a:p>
         </p:txBody>
